--- a/papers/Case2016/pictures/pdf/StraightPoster.pptx
+++ b/papers/Case2016/pictures/pdf/StraightPoster.pptx
@@ -288,7 +288,7 @@
           <a:p>
             <a:fld id="{F02F824B-5CAF-ED43-8375-9FD9F2F6ED6C}" type="datetimeFigureOut">
               <a:rPr lang="en-US" smtClean="0"/>
-              <a:t>4/20/16</a:t>
+              <a:t>4/21/16</a:t>
             </a:fld>
             <a:endParaRPr lang="en-US"/>
           </a:p>
@@ -458,7 +458,7 @@
           <a:p>
             <a:fld id="{F02F824B-5CAF-ED43-8375-9FD9F2F6ED6C}" type="datetimeFigureOut">
               <a:rPr lang="en-US" smtClean="0"/>
-              <a:t>4/20/16</a:t>
+              <a:t>4/21/16</a:t>
             </a:fld>
             <a:endParaRPr lang="en-US"/>
           </a:p>
@@ -638,7 +638,7 @@
           <a:p>
             <a:fld id="{F02F824B-5CAF-ED43-8375-9FD9F2F6ED6C}" type="datetimeFigureOut">
               <a:rPr lang="en-US" smtClean="0"/>
-              <a:t>4/20/16</a:t>
+              <a:t>4/21/16</a:t>
             </a:fld>
             <a:endParaRPr lang="en-US"/>
           </a:p>
@@ -808,7 +808,7 @@
           <a:p>
             <a:fld id="{F02F824B-5CAF-ED43-8375-9FD9F2F6ED6C}" type="datetimeFigureOut">
               <a:rPr lang="en-US" smtClean="0"/>
-              <a:t>4/20/16</a:t>
+              <a:t>4/21/16</a:t>
             </a:fld>
             <a:endParaRPr lang="en-US"/>
           </a:p>
@@ -1054,7 +1054,7 @@
           <a:p>
             <a:fld id="{F02F824B-5CAF-ED43-8375-9FD9F2F6ED6C}" type="datetimeFigureOut">
               <a:rPr lang="en-US" smtClean="0"/>
-              <a:t>4/20/16</a:t>
+              <a:t>4/21/16</a:t>
             </a:fld>
             <a:endParaRPr lang="en-US"/>
           </a:p>
@@ -1342,7 +1342,7 @@
           <a:p>
             <a:fld id="{F02F824B-5CAF-ED43-8375-9FD9F2F6ED6C}" type="datetimeFigureOut">
               <a:rPr lang="en-US" smtClean="0"/>
-              <a:t>4/20/16</a:t>
+              <a:t>4/21/16</a:t>
             </a:fld>
             <a:endParaRPr lang="en-US"/>
           </a:p>
@@ -1764,7 +1764,7 @@
           <a:p>
             <a:fld id="{F02F824B-5CAF-ED43-8375-9FD9F2F6ED6C}" type="datetimeFigureOut">
               <a:rPr lang="en-US" smtClean="0"/>
-              <a:t>4/20/16</a:t>
+              <a:t>4/21/16</a:t>
             </a:fld>
             <a:endParaRPr lang="en-US"/>
           </a:p>
@@ -1882,7 +1882,7 @@
           <a:p>
             <a:fld id="{F02F824B-5CAF-ED43-8375-9FD9F2F6ED6C}" type="datetimeFigureOut">
               <a:rPr lang="en-US" smtClean="0"/>
-              <a:t>4/20/16</a:t>
+              <a:t>4/21/16</a:t>
             </a:fld>
             <a:endParaRPr lang="en-US"/>
           </a:p>
@@ -1977,7 +1977,7 @@
           <a:p>
             <a:fld id="{F02F824B-5CAF-ED43-8375-9FD9F2F6ED6C}" type="datetimeFigureOut">
               <a:rPr lang="en-US" smtClean="0"/>
-              <a:t>4/20/16</a:t>
+              <a:t>4/21/16</a:t>
             </a:fld>
             <a:endParaRPr lang="en-US"/>
           </a:p>
@@ -2254,7 +2254,7 @@
           <a:p>
             <a:fld id="{F02F824B-5CAF-ED43-8375-9FD9F2F6ED6C}" type="datetimeFigureOut">
               <a:rPr lang="en-US" smtClean="0"/>
-              <a:t>4/20/16</a:t>
+              <a:t>4/21/16</a:t>
             </a:fld>
             <a:endParaRPr lang="en-US"/>
           </a:p>
@@ -2507,7 +2507,7 @@
           <a:p>
             <a:fld id="{F02F824B-5CAF-ED43-8375-9FD9F2F6ED6C}" type="datetimeFigureOut">
               <a:rPr lang="en-US" smtClean="0"/>
-              <a:t>4/20/16</a:t>
+              <a:t>4/21/16</a:t>
             </a:fld>
             <a:endParaRPr lang="en-US"/>
           </a:p>
@@ -2720,7 +2720,7 @@
           <a:p>
             <a:fld id="{F02F824B-5CAF-ED43-8375-9FD9F2F6ED6C}" type="datetimeFigureOut">
               <a:rPr lang="en-US" smtClean="0"/>
-              <a:t>4/20/16</a:t>
+              <a:t>4/21/16</a:t>
             </a:fld>
             <a:endParaRPr lang="en-US"/>
           </a:p>
@@ -3455,7 +3455,7 @@
               <p:spPr>
                 <a:xfrm>
                   <a:off x="507999" y="228955"/>
-                  <a:ext cx="761998" cy="437303"/>
+                  <a:ext cx="761998" cy="410485"/>
                 </a:xfrm>
                 <a:prstGeom prst="rect">
                   <a:avLst/>
@@ -3470,7 +3470,11 @@
                 <a:p>
                   <a:r>
                     <a:rPr lang="en-US" i="1" dirty="0" smtClean="0"/>
-                    <a:t>t = 5</a:t>
+                    <a:t>t = </a:t>
+                  </a:r>
+                  <a:r>
+                    <a:rPr lang="en-US" i="1" dirty="0" smtClean="0"/>
+                    <a:t>5 s</a:t>
                   </a:r>
                   <a:endParaRPr lang="en-US" i="1" dirty="0"/>
                 </a:p>
@@ -3485,7 +3489,7 @@
               <p:spPr>
                 <a:xfrm>
                   <a:off x="2547019" y="228955"/>
-                  <a:ext cx="761998" cy="437303"/>
+                  <a:ext cx="975074" cy="410485"/>
                 </a:xfrm>
                 <a:prstGeom prst="rect">
                   <a:avLst/>
@@ -3500,7 +3504,11 @@
                 <a:p>
                   <a:r>
                     <a:rPr lang="en-US" i="1" dirty="0" smtClean="0"/>
-                    <a:t>t = 15</a:t>
+                    <a:t>t = </a:t>
+                  </a:r>
+                  <a:r>
+                    <a:rPr lang="en-US" i="1" dirty="0" smtClean="0"/>
+                    <a:t>15 s</a:t>
                   </a:r>
                   <a:endParaRPr lang="en-US" i="1" dirty="0"/>
                 </a:p>
@@ -3515,7 +3523,7 @@
               <p:spPr>
                 <a:xfrm>
                   <a:off x="4628956" y="228955"/>
-                  <a:ext cx="761998" cy="437303"/>
+                  <a:ext cx="1170575" cy="410485"/>
                 </a:xfrm>
                 <a:prstGeom prst="rect">
                   <a:avLst/>
@@ -3530,7 +3538,11 @@
                 <a:p>
                   <a:r>
                     <a:rPr lang="en-US" i="1" dirty="0" smtClean="0"/>
-                    <a:t>t = 25</a:t>
+                    <a:t>t = </a:t>
+                  </a:r>
+                  <a:r>
+                    <a:rPr lang="en-US" i="1" dirty="0" smtClean="0"/>
+                    <a:t>25 s</a:t>
                   </a:r>
                   <a:endParaRPr lang="en-US" i="1" dirty="0"/>
                 </a:p>

--- a/papers/Case2016/pictures/pdf/StraightPoster.pptx
+++ b/papers/Case2016/pictures/pdf/StraightPoster.pptx
@@ -288,7 +288,7 @@
           <a:p>
             <a:fld id="{F02F824B-5CAF-ED43-8375-9FD9F2F6ED6C}" type="datetimeFigureOut">
               <a:rPr lang="en-US" smtClean="0"/>
-              <a:t>4/21/16</a:t>
+              <a:t>4/22/16</a:t>
             </a:fld>
             <a:endParaRPr lang="en-US"/>
           </a:p>
@@ -458,7 +458,7 @@
           <a:p>
             <a:fld id="{F02F824B-5CAF-ED43-8375-9FD9F2F6ED6C}" type="datetimeFigureOut">
               <a:rPr lang="en-US" smtClean="0"/>
-              <a:t>4/21/16</a:t>
+              <a:t>4/22/16</a:t>
             </a:fld>
             <a:endParaRPr lang="en-US"/>
           </a:p>
@@ -638,7 +638,7 @@
           <a:p>
             <a:fld id="{F02F824B-5CAF-ED43-8375-9FD9F2F6ED6C}" type="datetimeFigureOut">
               <a:rPr lang="en-US" smtClean="0"/>
-              <a:t>4/21/16</a:t>
+              <a:t>4/22/16</a:t>
             </a:fld>
             <a:endParaRPr lang="en-US"/>
           </a:p>
@@ -808,7 +808,7 @@
           <a:p>
             <a:fld id="{F02F824B-5CAF-ED43-8375-9FD9F2F6ED6C}" type="datetimeFigureOut">
               <a:rPr lang="en-US" smtClean="0"/>
-              <a:t>4/21/16</a:t>
+              <a:t>4/22/16</a:t>
             </a:fld>
             <a:endParaRPr lang="en-US"/>
           </a:p>
@@ -1054,7 +1054,7 @@
           <a:p>
             <a:fld id="{F02F824B-5CAF-ED43-8375-9FD9F2F6ED6C}" type="datetimeFigureOut">
               <a:rPr lang="en-US" smtClean="0"/>
-              <a:t>4/21/16</a:t>
+              <a:t>4/22/16</a:t>
             </a:fld>
             <a:endParaRPr lang="en-US"/>
           </a:p>
@@ -1342,7 +1342,7 @@
           <a:p>
             <a:fld id="{F02F824B-5CAF-ED43-8375-9FD9F2F6ED6C}" type="datetimeFigureOut">
               <a:rPr lang="en-US" smtClean="0"/>
-              <a:t>4/21/16</a:t>
+              <a:t>4/22/16</a:t>
             </a:fld>
             <a:endParaRPr lang="en-US"/>
           </a:p>
@@ -1764,7 +1764,7 @@
           <a:p>
             <a:fld id="{F02F824B-5CAF-ED43-8375-9FD9F2F6ED6C}" type="datetimeFigureOut">
               <a:rPr lang="en-US" smtClean="0"/>
-              <a:t>4/21/16</a:t>
+              <a:t>4/22/16</a:t>
             </a:fld>
             <a:endParaRPr lang="en-US"/>
           </a:p>
@@ -1882,7 +1882,7 @@
           <a:p>
             <a:fld id="{F02F824B-5CAF-ED43-8375-9FD9F2F6ED6C}" type="datetimeFigureOut">
               <a:rPr lang="en-US" smtClean="0"/>
-              <a:t>4/21/16</a:t>
+              <a:t>4/22/16</a:t>
             </a:fld>
             <a:endParaRPr lang="en-US"/>
           </a:p>
@@ -1977,7 +1977,7 @@
           <a:p>
             <a:fld id="{F02F824B-5CAF-ED43-8375-9FD9F2F6ED6C}" type="datetimeFigureOut">
               <a:rPr lang="en-US" smtClean="0"/>
-              <a:t>4/21/16</a:t>
+              <a:t>4/22/16</a:t>
             </a:fld>
             <a:endParaRPr lang="en-US"/>
           </a:p>
@@ -2254,7 +2254,7 @@
           <a:p>
             <a:fld id="{F02F824B-5CAF-ED43-8375-9FD9F2F6ED6C}" type="datetimeFigureOut">
               <a:rPr lang="en-US" smtClean="0"/>
-              <a:t>4/21/16</a:t>
+              <a:t>4/22/16</a:t>
             </a:fld>
             <a:endParaRPr lang="en-US"/>
           </a:p>
@@ -2507,7 +2507,7 @@
           <a:p>
             <a:fld id="{F02F824B-5CAF-ED43-8375-9FD9F2F6ED6C}" type="datetimeFigureOut">
               <a:rPr lang="en-US" smtClean="0"/>
-              <a:t>4/21/16</a:t>
+              <a:t>4/22/16</a:t>
             </a:fld>
             <a:endParaRPr lang="en-US"/>
           </a:p>
@@ -2720,7 +2720,7 @@
           <a:p>
             <a:fld id="{F02F824B-5CAF-ED43-8375-9FD9F2F6ED6C}" type="datetimeFigureOut">
               <a:rPr lang="en-US" smtClean="0"/>
-              <a:t>4/21/16</a:t>
+              <a:t>4/22/16</a:t>
             </a:fld>
             <a:endParaRPr lang="en-US"/>
           </a:p>
@@ -3470,11 +3470,7 @@
                 <a:p>
                   <a:r>
                     <a:rPr lang="en-US" i="1" dirty="0" smtClean="0"/>
-                    <a:t>t = </a:t>
-                  </a:r>
-                  <a:r>
-                    <a:rPr lang="en-US" i="1" dirty="0" smtClean="0"/>
-                    <a:t>5 s</a:t>
+                    <a:t>t = 5 s</a:t>
                   </a:r>
                   <a:endParaRPr lang="en-US" i="1" dirty="0"/>
                 </a:p>
@@ -3504,11 +3500,7 @@
                 <a:p>
                   <a:r>
                     <a:rPr lang="en-US" i="1" dirty="0" smtClean="0"/>
-                    <a:t>t = </a:t>
-                  </a:r>
-                  <a:r>
-                    <a:rPr lang="en-US" i="1" dirty="0" smtClean="0"/>
-                    <a:t>15 s</a:t>
+                    <a:t>t = 15 s</a:t>
                   </a:r>
                   <a:endParaRPr lang="en-US" i="1" dirty="0"/>
                 </a:p>
@@ -3538,11 +3530,7 @@
                 <a:p>
                   <a:r>
                     <a:rPr lang="en-US" i="1" dirty="0" smtClean="0"/>
-                    <a:t>t = </a:t>
-                  </a:r>
-                  <a:r>
-                    <a:rPr lang="en-US" i="1" dirty="0" smtClean="0"/>
-                    <a:t>25 s</a:t>
+                    <a:t>t = 25 s</a:t>
                   </a:r>
                   <a:endParaRPr lang="en-US" i="1" dirty="0"/>
                 </a:p>
@@ -3706,6 +3694,53 @@
           </p:cxnSp>
         </p:grpSp>
       </p:grpSp>
+      <p:sp>
+        <p:nvSpPr>
+          <p:cNvPr id="5" name="TextBox 4"/>
+          <p:cNvSpPr txBox="1"/>
+          <p:nvPr/>
+        </p:nvSpPr>
+        <p:spPr>
+          <a:xfrm>
+            <a:off x="5209995" y="2628900"/>
+            <a:ext cx="738664" cy="1028700"/>
+          </a:xfrm>
+          <a:prstGeom prst="rect">
+            <a:avLst/>
+          </a:prstGeom>
+          <a:noFill/>
+        </p:spPr>
+        <p:txBody>
+          <a:bodyPr vert="vert270" wrap="square" rtlCol="0">
+            <a:spAutoFit/>
+          </a:bodyPr>
+          <a:lstStyle/>
+          <a:p>
+            <a:r>
+              <a:rPr lang="en-US" dirty="0" smtClean="0"/>
+              <a:t>Initial </a:t>
+            </a:r>
+            <a:r>
+              <a:rPr lang="en-US" b="1" i="1" dirty="0" err="1">
+                <a:latin typeface="Times New Roman"/>
+                <a:cs typeface="Times New Roman"/>
+              </a:rPr>
+              <a:t>θ</a:t>
+            </a:r>
+            <a:endParaRPr lang="en-US" b="1" i="1" dirty="0">
+              <a:latin typeface="Times New Roman"/>
+              <a:cs typeface="Times New Roman"/>
+            </a:endParaRPr>
+          </a:p>
+          <a:p>
+            <a:r>
+              <a:rPr lang="en-US" dirty="0" smtClean="0"/>
+              <a:t> </a:t>
+            </a:r>
+            <a:endParaRPr lang="en-US" dirty="0"/>
+          </a:p>
+        </p:txBody>
+      </p:sp>
     </p:spTree>
     <p:extLst>
       <p:ext uri="{BB962C8B-B14F-4D97-AF65-F5344CB8AC3E}">
